--- a/final_report/report_DS.pptx
+++ b/final_report/report_DS.pptx
@@ -16,6 +16,8 @@
     <p:sldId id="266" r:id="rId10"/>
     <p:sldId id="267" r:id="rId11"/>
     <p:sldId id="268" r:id="rId12"/>
+    <p:sldId id="269" r:id="rId13"/>
+    <p:sldId id="270" r:id="rId14"/>
   </p:sldIdLst>
   <p:sldSz cx="12192000" cy="6858000"/>
   <p:notesSz cx="6858000" cy="9144000"/>
@@ -114,6 +116,11 @@
       </a:defRPr>
     </a:lvl9pPr>
   </p:defaultTextStyle>
+  <p:extLst>
+    <p:ext uri="{EFAFB233-063F-42B5-8137-9DF3F51BA10A}">
+      <p15:sldGuideLst xmlns:p15="http://schemas.microsoft.com/office/powerpoint/2012/main"/>
+    </p:ext>
+  </p:extLst>
 </p:presentation>
 </file>
 
@@ -264,7 +271,7 @@
           <a:p>
             <a:fld id="{C0CE4DDA-D6BC-43F3-8956-899C666A7FB4}" type="datetimeFigureOut">
               <a:rPr lang="en-US" smtClean="0"/>
-              <a:t>12/5/2025</a:t>
+              <a:t>12/8/2025</a:t>
             </a:fld>
             <a:endParaRPr lang="en-US"/>
           </a:p>
@@ -462,7 +469,7 @@
           <a:p>
             <a:fld id="{C0CE4DDA-D6BC-43F3-8956-899C666A7FB4}" type="datetimeFigureOut">
               <a:rPr lang="en-US" smtClean="0"/>
-              <a:t>12/5/2025</a:t>
+              <a:t>12/8/2025</a:t>
             </a:fld>
             <a:endParaRPr lang="en-US"/>
           </a:p>
@@ -670,7 +677,7 @@
           <a:p>
             <a:fld id="{C0CE4DDA-D6BC-43F3-8956-899C666A7FB4}" type="datetimeFigureOut">
               <a:rPr lang="en-US" smtClean="0"/>
-              <a:t>12/5/2025</a:t>
+              <a:t>12/8/2025</a:t>
             </a:fld>
             <a:endParaRPr lang="en-US"/>
           </a:p>
@@ -868,7 +875,7 @@
           <a:p>
             <a:fld id="{C0CE4DDA-D6BC-43F3-8956-899C666A7FB4}" type="datetimeFigureOut">
               <a:rPr lang="en-US" smtClean="0"/>
-              <a:t>12/5/2025</a:t>
+              <a:t>12/8/2025</a:t>
             </a:fld>
             <a:endParaRPr lang="en-US"/>
           </a:p>
@@ -1143,7 +1150,7 @@
           <a:p>
             <a:fld id="{C0CE4DDA-D6BC-43F3-8956-899C666A7FB4}" type="datetimeFigureOut">
               <a:rPr lang="en-US" smtClean="0"/>
-              <a:t>12/5/2025</a:t>
+              <a:t>12/8/2025</a:t>
             </a:fld>
             <a:endParaRPr lang="en-US"/>
           </a:p>
@@ -1408,7 +1415,7 @@
           <a:p>
             <a:fld id="{C0CE4DDA-D6BC-43F3-8956-899C666A7FB4}" type="datetimeFigureOut">
               <a:rPr lang="en-US" smtClean="0"/>
-              <a:t>12/5/2025</a:t>
+              <a:t>12/8/2025</a:t>
             </a:fld>
             <a:endParaRPr lang="en-US"/>
           </a:p>
@@ -1820,7 +1827,7 @@
           <a:p>
             <a:fld id="{C0CE4DDA-D6BC-43F3-8956-899C666A7FB4}" type="datetimeFigureOut">
               <a:rPr lang="en-US" smtClean="0"/>
-              <a:t>12/5/2025</a:t>
+              <a:t>12/8/2025</a:t>
             </a:fld>
             <a:endParaRPr lang="en-US"/>
           </a:p>
@@ -1961,7 +1968,7 @@
           <a:p>
             <a:fld id="{C0CE4DDA-D6BC-43F3-8956-899C666A7FB4}" type="datetimeFigureOut">
               <a:rPr lang="en-US" smtClean="0"/>
-              <a:t>12/5/2025</a:t>
+              <a:t>12/8/2025</a:t>
             </a:fld>
             <a:endParaRPr lang="en-US"/>
           </a:p>
@@ -2074,7 +2081,7 @@
           <a:p>
             <a:fld id="{C0CE4DDA-D6BC-43F3-8956-899C666A7FB4}" type="datetimeFigureOut">
               <a:rPr lang="en-US" smtClean="0"/>
-              <a:t>12/5/2025</a:t>
+              <a:t>12/8/2025</a:t>
             </a:fld>
             <a:endParaRPr lang="en-US"/>
           </a:p>
@@ -2385,7 +2392,7 @@
           <a:p>
             <a:fld id="{C0CE4DDA-D6BC-43F3-8956-899C666A7FB4}" type="datetimeFigureOut">
               <a:rPr lang="en-US" smtClean="0"/>
-              <a:t>12/5/2025</a:t>
+              <a:t>12/8/2025</a:t>
             </a:fld>
             <a:endParaRPr lang="en-US"/>
           </a:p>
@@ -2673,7 +2680,7 @@
           <a:p>
             <a:fld id="{C0CE4DDA-D6BC-43F3-8956-899C666A7FB4}" type="datetimeFigureOut">
               <a:rPr lang="en-US" smtClean="0"/>
-              <a:t>12/5/2025</a:t>
+              <a:t>12/8/2025</a:t>
             </a:fld>
             <a:endParaRPr lang="en-US"/>
           </a:p>
@@ -2914,7 +2921,7 @@
           <a:p>
             <a:fld id="{C0CE4DDA-D6BC-43F3-8956-899C666A7FB4}" type="datetimeFigureOut">
               <a:rPr lang="en-US" smtClean="0"/>
-              <a:t>12/5/2025</a:t>
+              <a:t>12/8/2025</a:t>
             </a:fld>
             <a:endParaRPr lang="en-US"/>
           </a:p>
@@ -4064,6 +4071,584 @@
 </p:sld>
 </file>
 
+<file path=ppt/slides/slide12.xml><?xml version="1.0" encoding="utf-8"?>
+<p:sld xmlns:a="http://schemas.openxmlformats.org/drawingml/2006/main" xmlns:r="http://schemas.openxmlformats.org/officeDocument/2006/relationships" xmlns:p="http://schemas.openxmlformats.org/presentationml/2006/main">
+  <p:cSld>
+    <p:spTree>
+      <p:nvGrpSpPr>
+        <p:cNvPr id="1" name="">
+          <a:extLst>
+            <a:ext uri="{FF2B5EF4-FFF2-40B4-BE49-F238E27FC236}">
+              <a16:creationId xmlns:a16="http://schemas.microsoft.com/office/drawing/2014/main" id="{9584923E-142F-9223-DADF-318666464166}"/>
+            </a:ext>
+          </a:extLst>
+        </p:cNvPr>
+        <p:cNvGrpSpPr/>
+        <p:nvPr/>
+      </p:nvGrpSpPr>
+      <p:grpSpPr>
+        <a:xfrm>
+          <a:off x="0" y="0"/>
+          <a:ext cx="0" cy="0"/>
+          <a:chOff x="0" y="0"/>
+          <a:chExt cx="0" cy="0"/>
+        </a:xfrm>
+      </p:grpSpPr>
+      <p:sp>
+        <p:nvSpPr>
+          <p:cNvPr id="2" name="Title 1">
+            <a:extLst>
+              <a:ext uri="{FF2B5EF4-FFF2-40B4-BE49-F238E27FC236}">
+                <a16:creationId xmlns:a16="http://schemas.microsoft.com/office/drawing/2014/main" id="{86E37CAD-13E7-76FC-0069-7645410B1500}"/>
+              </a:ext>
+            </a:extLst>
+          </p:cNvPr>
+          <p:cNvSpPr>
+            <a:spLocks noGrp="1"/>
+          </p:cNvSpPr>
+          <p:nvPr>
+            <p:ph type="ctrTitle"/>
+          </p:nvPr>
+        </p:nvSpPr>
+        <p:spPr>
+          <a:xfrm>
+            <a:off x="1524000" y="12012"/>
+            <a:ext cx="9144000" cy="865057"/>
+          </a:xfrm>
+        </p:spPr>
+        <p:txBody>
+          <a:bodyPr>
+            <a:normAutofit fontScale="90000"/>
+          </a:bodyPr>
+          <a:lstStyle/>
+          <a:p>
+            <a:r>
+              <a:rPr lang="en-US" b="1" dirty="0">
+                <a:solidFill>
+                  <a:srgbClr val="0070C0"/>
+                </a:solidFill>
+              </a:rPr>
+              <a:t>Employee Churn Analysis</a:t>
+            </a:r>
+            <a:endParaRPr lang="en-US" dirty="0"/>
+          </a:p>
+        </p:txBody>
+      </p:sp>
+      <p:sp>
+        <p:nvSpPr>
+          <p:cNvPr id="3" name="Subtitle 2">
+            <a:extLst>
+              <a:ext uri="{FF2B5EF4-FFF2-40B4-BE49-F238E27FC236}">
+                <a16:creationId xmlns:a16="http://schemas.microsoft.com/office/drawing/2014/main" id="{B40EC18A-6C56-A173-3E4A-1ADDB695C1AD}"/>
+              </a:ext>
+            </a:extLst>
+          </p:cNvPr>
+          <p:cNvSpPr>
+            <a:spLocks noGrp="1"/>
+          </p:cNvSpPr>
+          <p:nvPr>
+            <p:ph type="subTitle" idx="1"/>
+          </p:nvPr>
+        </p:nvSpPr>
+        <p:spPr>
+          <a:xfrm>
+            <a:off x="0" y="746449"/>
+            <a:ext cx="12192000" cy="6099539"/>
+          </a:xfrm>
+        </p:spPr>
+        <p:txBody>
+          <a:bodyPr>
+            <a:normAutofit/>
+          </a:bodyPr>
+          <a:lstStyle/>
+          <a:p>
+            <a:pPr algn="l"/>
+            <a:r>
+              <a:rPr lang="en-US" b="1" dirty="0"/>
+              <a:t>6. Deployment</a:t>
+            </a:r>
+          </a:p>
+          <a:p>
+            <a:pPr algn="l"/>
+            <a:r>
+              <a:rPr lang="en-US" dirty="0"/>
+              <a:t>- Activate </a:t>
+            </a:r>
+            <a:r>
+              <a:rPr lang="en-US" dirty="0" err="1"/>
+              <a:t>venv</a:t>
+            </a:r>
+            <a:r>
+              <a:rPr lang="en-US" dirty="0"/>
+              <a:t>: C:\Users\OS\.virtualenvs\driver\Scripts\Activate.ps1</a:t>
+            </a:r>
+          </a:p>
+          <a:p>
+            <a:pPr algn="l"/>
+            <a:r>
+              <a:rPr lang="en-US" dirty="0"/>
+              <a:t>- Run </a:t>
+            </a:r>
+            <a:r>
+              <a:rPr lang="en-US" dirty="0" err="1"/>
+              <a:t>Uvicorn</a:t>
+            </a:r>
+            <a:r>
+              <a:rPr lang="en-US" dirty="0"/>
+              <a:t> server: python -m </a:t>
+            </a:r>
+            <a:r>
+              <a:rPr lang="en-US" dirty="0" err="1"/>
+              <a:t>uvicorn</a:t>
+            </a:r>
+            <a:r>
+              <a:rPr lang="en-US" dirty="0"/>
+              <a:t> </a:t>
+            </a:r>
+            <a:r>
+              <a:rPr lang="en-US" dirty="0" err="1"/>
+              <a:t>api:app</a:t>
+            </a:r>
+            <a:r>
+              <a:rPr lang="en-US" dirty="0"/>
+              <a:t> --reload</a:t>
+            </a:r>
+          </a:p>
+          <a:p>
+            <a:pPr algn="l"/>
+            <a:r>
+              <a:rPr lang="en-US" dirty="0"/>
+              <a:t>- Test API (Swagger): http://127.0.0.1:8000/docs</a:t>
+            </a:r>
+          </a:p>
+          <a:p>
+            <a:pPr algn="l"/>
+            <a:r>
+              <a:rPr lang="en-US" dirty="0"/>
+              <a:t>- Document: http://127.0.0.1:8000/redoc</a:t>
+            </a:r>
+          </a:p>
+          <a:p>
+            <a:pPr algn="l"/>
+            <a:r>
+              <a:rPr lang="en-US" dirty="0"/>
+              <a:t>- Example </a:t>
+            </a:r>
+            <a:r>
+              <a:rPr lang="en-US" b="1" dirty="0"/>
+              <a:t>input</a:t>
+            </a:r>
+            <a:r>
+              <a:rPr lang="en-US" dirty="0"/>
+              <a:t>: {					Example</a:t>
+            </a:r>
+            <a:r>
+              <a:rPr lang="en-US" b="1" dirty="0"/>
+              <a:t> result</a:t>
+            </a:r>
+            <a:r>
+              <a:rPr lang="en-US" dirty="0"/>
+              <a:t>: </a:t>
+            </a:r>
+          </a:p>
+          <a:p>
+            <a:pPr lvl="6" algn="l"/>
+            <a:r>
+              <a:rPr lang="en-US" dirty="0"/>
+              <a:t>  "</a:t>
+            </a:r>
+            <a:r>
+              <a:rPr lang="en-US" dirty="0" err="1"/>
+              <a:t>satisfaction_level</a:t>
+            </a:r>
+            <a:r>
+              <a:rPr lang="en-US" dirty="0"/>
+              <a:t>": 0.8,</a:t>
+            </a:r>
+          </a:p>
+          <a:p>
+            <a:pPr lvl="6" algn="l"/>
+            <a:r>
+              <a:rPr lang="en-US" dirty="0"/>
+              <a:t>  "</a:t>
+            </a:r>
+            <a:r>
+              <a:rPr lang="en-US" dirty="0" err="1"/>
+              <a:t>last_evaluation</a:t>
+            </a:r>
+            <a:r>
+              <a:rPr lang="en-US" dirty="0"/>
+              <a:t>": 0.86,</a:t>
+            </a:r>
+          </a:p>
+          <a:p>
+            <a:pPr lvl="6" algn="l"/>
+            <a:r>
+              <a:rPr lang="en-US" dirty="0"/>
+              <a:t>  "</a:t>
+            </a:r>
+            <a:r>
+              <a:rPr lang="en-US" dirty="0" err="1"/>
+              <a:t>number_project</a:t>
+            </a:r>
+            <a:r>
+              <a:rPr lang="en-US" dirty="0"/>
+              <a:t>": 5,</a:t>
+            </a:r>
+          </a:p>
+          <a:p>
+            <a:pPr lvl="6" algn="l"/>
+            <a:r>
+              <a:rPr lang="en-US" dirty="0"/>
+              <a:t>  "</a:t>
+            </a:r>
+            <a:r>
+              <a:rPr lang="en-US" dirty="0" err="1"/>
+              <a:t>workload_status</a:t>
+            </a:r>
+            <a:r>
+              <a:rPr lang="en-US" dirty="0"/>
+              <a:t>": true,</a:t>
+            </a:r>
+          </a:p>
+          <a:p>
+            <a:pPr lvl="6" algn="l"/>
+            <a:r>
+              <a:rPr lang="en-US" dirty="0"/>
+              <a:t>  "</a:t>
+            </a:r>
+            <a:r>
+              <a:rPr lang="en-US" dirty="0" err="1"/>
+              <a:t>time_spend_company</a:t>
+            </a:r>
+            <a:r>
+              <a:rPr lang="en-US" dirty="0"/>
+              <a:t>": 6,</a:t>
+            </a:r>
+          </a:p>
+          <a:p>
+            <a:pPr lvl="6" algn="l"/>
+            <a:r>
+              <a:rPr lang="en-US" dirty="0"/>
+              <a:t>  "</a:t>
+            </a:r>
+            <a:r>
+              <a:rPr lang="en-US" dirty="0" err="1"/>
+              <a:t>work_accident</a:t>
+            </a:r>
+            <a:r>
+              <a:rPr lang="en-US" dirty="0"/>
+              <a:t>": false,</a:t>
+            </a:r>
+          </a:p>
+          <a:p>
+            <a:pPr lvl="6" algn="l"/>
+            <a:r>
+              <a:rPr lang="en-US" dirty="0"/>
+              <a:t>  "promotion_last_5years": false,</a:t>
+            </a:r>
+          </a:p>
+          <a:p>
+            <a:pPr lvl="6" algn="l"/>
+            <a:r>
+              <a:rPr lang="en-US" dirty="0"/>
+              <a:t>  "department": "sales",</a:t>
+            </a:r>
+          </a:p>
+          <a:p>
+            <a:pPr lvl="6" algn="l"/>
+            <a:r>
+              <a:rPr lang="en-US" dirty="0"/>
+              <a:t>  "salary": "medium"</a:t>
+            </a:r>
+          </a:p>
+          <a:p>
+            <a:pPr lvl="6" algn="l"/>
+            <a:r>
+              <a:rPr lang="en-US" sz="2400" dirty="0"/>
+              <a:t>}</a:t>
+            </a:r>
+          </a:p>
+          <a:p>
+            <a:pPr algn="l"/>
+            <a:endParaRPr lang="en-US" dirty="0"/>
+          </a:p>
+          <a:p>
+            <a:pPr algn="l"/>
+            <a:endParaRPr lang="en-US" dirty="0">
+              <a:sym typeface="Wingdings" panose="05000000000000000000" pitchFamily="2" charset="2"/>
+            </a:endParaRPr>
+          </a:p>
+          <a:p>
+            <a:pPr algn="l"/>
+            <a:endParaRPr lang="en-US" dirty="0"/>
+          </a:p>
+        </p:txBody>
+      </p:sp>
+      <p:sp>
+        <p:nvSpPr>
+          <p:cNvPr id="8" name="TextBox 7">
+            <a:extLst>
+              <a:ext uri="{FF2B5EF4-FFF2-40B4-BE49-F238E27FC236}">
+                <a16:creationId xmlns:a16="http://schemas.microsoft.com/office/drawing/2014/main" id="{3AFF8810-5FDB-0FFC-2CCD-CC3C3FF16A38}"/>
+              </a:ext>
+            </a:extLst>
+          </p:cNvPr>
+          <p:cNvSpPr txBox="1"/>
+          <p:nvPr/>
+        </p:nvSpPr>
+        <p:spPr>
+          <a:xfrm>
+            <a:off x="8540684" y="2988663"/>
+            <a:ext cx="2809188" cy="2308324"/>
+          </a:xfrm>
+          <a:prstGeom prst="rect">
+            <a:avLst/>
+          </a:prstGeom>
+          <a:noFill/>
+        </p:spPr>
+        <p:txBody>
+          <a:bodyPr wrap="square" rtlCol="0">
+            <a:spAutoFit/>
+          </a:bodyPr>
+          <a:lstStyle/>
+          <a:p>
+            <a:pPr latinLnBrk="1"/>
+            <a:r>
+              <a:rPr lang="en-US" sz="2400" dirty="0"/>
+              <a:t>{</a:t>
+            </a:r>
+          </a:p>
+          <a:p>
+            <a:pPr latinLnBrk="1"/>
+            <a:r>
+              <a:rPr lang="en-US" sz="2400" dirty="0"/>
+              <a:t>  "prediction": 1</a:t>
+            </a:r>
+          </a:p>
+          <a:p>
+            <a:r>
+              <a:rPr lang="en-US" sz="2400" dirty="0"/>
+              <a:t>}</a:t>
+            </a:r>
+          </a:p>
+          <a:p>
+            <a:endParaRPr lang="en-US" dirty="0"/>
+          </a:p>
+          <a:p>
+            <a:endParaRPr lang="en-US" dirty="0"/>
+          </a:p>
+          <a:p>
+            <a:endParaRPr lang="en-US" dirty="0"/>
+          </a:p>
+          <a:p>
+            <a:endParaRPr lang="en-US" dirty="0"/>
+          </a:p>
+        </p:txBody>
+      </p:sp>
+    </p:spTree>
+    <p:extLst>
+      <p:ext uri="{BB962C8B-B14F-4D97-AF65-F5344CB8AC3E}">
+        <p14:creationId xmlns:p14="http://schemas.microsoft.com/office/powerpoint/2010/main" val="3540489917"/>
+      </p:ext>
+    </p:extLst>
+  </p:cSld>
+  <p:clrMapOvr>
+    <a:masterClrMapping/>
+  </p:clrMapOvr>
+</p:sld>
+</file>
+
+<file path=ppt/slides/slide13.xml><?xml version="1.0" encoding="utf-8"?>
+<p:sld xmlns:a="http://schemas.openxmlformats.org/drawingml/2006/main" xmlns:r="http://schemas.openxmlformats.org/officeDocument/2006/relationships" xmlns:p="http://schemas.openxmlformats.org/presentationml/2006/main">
+  <p:cSld>
+    <p:spTree>
+      <p:nvGrpSpPr>
+        <p:cNvPr id="1" name="">
+          <a:extLst>
+            <a:ext uri="{FF2B5EF4-FFF2-40B4-BE49-F238E27FC236}">
+              <a16:creationId xmlns:a16="http://schemas.microsoft.com/office/drawing/2014/main" id="{C19A20D4-E027-B7F1-0C80-79E7D8F9EB55}"/>
+            </a:ext>
+          </a:extLst>
+        </p:cNvPr>
+        <p:cNvGrpSpPr/>
+        <p:nvPr/>
+      </p:nvGrpSpPr>
+      <p:grpSpPr>
+        <a:xfrm>
+          <a:off x="0" y="0"/>
+          <a:ext cx="0" cy="0"/>
+          <a:chOff x="0" y="0"/>
+          <a:chExt cx="0" cy="0"/>
+        </a:xfrm>
+      </p:grpSpPr>
+      <p:sp>
+        <p:nvSpPr>
+          <p:cNvPr id="2" name="Title 1">
+            <a:extLst>
+              <a:ext uri="{FF2B5EF4-FFF2-40B4-BE49-F238E27FC236}">
+                <a16:creationId xmlns:a16="http://schemas.microsoft.com/office/drawing/2014/main" id="{194C8502-9EB1-E9BB-A013-AB28AB942E97}"/>
+              </a:ext>
+            </a:extLst>
+          </p:cNvPr>
+          <p:cNvSpPr>
+            <a:spLocks noGrp="1"/>
+          </p:cNvSpPr>
+          <p:nvPr>
+            <p:ph type="ctrTitle"/>
+          </p:nvPr>
+        </p:nvSpPr>
+        <p:spPr>
+          <a:xfrm>
+            <a:off x="1524000" y="12012"/>
+            <a:ext cx="9144000" cy="865057"/>
+          </a:xfrm>
+        </p:spPr>
+        <p:txBody>
+          <a:bodyPr>
+            <a:normAutofit fontScale="90000"/>
+          </a:bodyPr>
+          <a:lstStyle/>
+          <a:p>
+            <a:r>
+              <a:rPr lang="en-US" b="1" dirty="0">
+                <a:solidFill>
+                  <a:srgbClr val="0070C0"/>
+                </a:solidFill>
+              </a:rPr>
+              <a:t>Employee Churn Analysis</a:t>
+            </a:r>
+            <a:endParaRPr lang="en-US" dirty="0"/>
+          </a:p>
+        </p:txBody>
+      </p:sp>
+      <p:sp>
+        <p:nvSpPr>
+          <p:cNvPr id="3" name="Subtitle 2">
+            <a:extLst>
+              <a:ext uri="{FF2B5EF4-FFF2-40B4-BE49-F238E27FC236}">
+                <a16:creationId xmlns:a16="http://schemas.microsoft.com/office/drawing/2014/main" id="{72A64FEC-8848-9853-4B00-E78912DE6B1A}"/>
+              </a:ext>
+            </a:extLst>
+          </p:cNvPr>
+          <p:cNvSpPr>
+            <a:spLocks noGrp="1"/>
+          </p:cNvSpPr>
+          <p:nvPr>
+            <p:ph type="subTitle" idx="1"/>
+          </p:nvPr>
+        </p:nvSpPr>
+        <p:spPr>
+          <a:xfrm>
+            <a:off x="0" y="746449"/>
+            <a:ext cx="12192000" cy="6099539"/>
+          </a:xfrm>
+        </p:spPr>
+        <p:txBody>
+          <a:bodyPr>
+            <a:normAutofit/>
+          </a:bodyPr>
+          <a:lstStyle/>
+          <a:p>
+            <a:pPr algn="l"/>
+            <a:r>
+              <a:rPr lang="en-US" b="1" dirty="0"/>
+              <a:t>6. Deployment</a:t>
+            </a:r>
+          </a:p>
+          <a:p>
+            <a:pPr algn="l"/>
+            <a:endParaRPr lang="en-US" dirty="0"/>
+          </a:p>
+          <a:p>
+            <a:pPr algn="l"/>
+            <a:endParaRPr lang="en-US" dirty="0"/>
+          </a:p>
+          <a:p>
+            <a:pPr algn="l"/>
+            <a:endParaRPr lang="en-US" dirty="0">
+              <a:sym typeface="Wingdings" panose="05000000000000000000" pitchFamily="2" charset="2"/>
+            </a:endParaRPr>
+          </a:p>
+          <a:p>
+            <a:pPr algn="l"/>
+            <a:endParaRPr lang="en-US" dirty="0"/>
+          </a:p>
+        </p:txBody>
+      </p:sp>
+      <p:pic>
+        <p:nvPicPr>
+          <p:cNvPr id="7" name="Picture 6">
+            <a:extLst>
+              <a:ext uri="{FF2B5EF4-FFF2-40B4-BE49-F238E27FC236}">
+                <a16:creationId xmlns:a16="http://schemas.microsoft.com/office/drawing/2014/main" id="{D3D115AD-980C-1F9D-5C76-FE4BEB672224}"/>
+              </a:ext>
+            </a:extLst>
+          </p:cNvPr>
+          <p:cNvPicPr>
+            <a:picLocks noChangeAspect="1"/>
+          </p:cNvPicPr>
+          <p:nvPr/>
+        </p:nvPicPr>
+        <p:blipFill>
+          <a:blip r:embed="rId2"/>
+          <a:stretch>
+            <a:fillRect/>
+          </a:stretch>
+        </p:blipFill>
+        <p:spPr>
+          <a:xfrm>
+            <a:off x="0" y="4724395"/>
+            <a:ext cx="12192000" cy="1552591"/>
+          </a:xfrm>
+          <a:prstGeom prst="rect">
+            <a:avLst/>
+          </a:prstGeom>
+        </p:spPr>
+      </p:pic>
+      <p:pic>
+        <p:nvPicPr>
+          <p:cNvPr id="9" name="Picture 8">
+            <a:extLst>
+              <a:ext uri="{FF2B5EF4-FFF2-40B4-BE49-F238E27FC236}">
+                <a16:creationId xmlns:a16="http://schemas.microsoft.com/office/drawing/2014/main" id="{88EFAC89-F906-4CAB-D9FA-0F53FE9653C0}"/>
+              </a:ext>
+            </a:extLst>
+          </p:cNvPr>
+          <p:cNvPicPr>
+            <a:picLocks noChangeAspect="1"/>
+          </p:cNvPicPr>
+          <p:nvPr/>
+        </p:nvPicPr>
+        <p:blipFill>
+          <a:blip r:embed="rId3"/>
+          <a:stretch>
+            <a:fillRect/>
+          </a:stretch>
+        </p:blipFill>
+        <p:spPr>
+          <a:xfrm>
+            <a:off x="0" y="1128788"/>
+            <a:ext cx="12192000" cy="3595607"/>
+          </a:xfrm>
+          <a:prstGeom prst="rect">
+            <a:avLst/>
+          </a:prstGeom>
+        </p:spPr>
+      </p:pic>
+    </p:spTree>
+    <p:extLst>
+      <p:ext uri="{BB962C8B-B14F-4D97-AF65-F5344CB8AC3E}">
+        <p14:creationId xmlns:p14="http://schemas.microsoft.com/office/powerpoint/2010/main" val="2113793936"/>
+      </p:ext>
+    </p:extLst>
+  </p:cSld>
+  <p:clrMapOvr>
+    <a:masterClrMapping/>
+  </p:clrMapOvr>
+</p:sld>
+</file>
+
 <file path=ppt/slides/slide2.xml><?xml version="1.0" encoding="utf-8"?>
 <p:sld xmlns:a="http://schemas.openxmlformats.org/drawingml/2006/main" xmlns:r="http://schemas.openxmlformats.org/officeDocument/2006/relationships" xmlns:p="http://schemas.openxmlformats.org/presentationml/2006/main">
   <p:cSld>
@@ -5145,7 +5730,7 @@
             <a:pPr algn="l"/>
             <a:r>
               <a:rPr lang="en-US" b="1" dirty="0"/>
-              <a:t>4. Decision Tree</a:t>
+              <a:t>4. Decision Trees</a:t>
             </a:r>
           </a:p>
           <a:p>

--- a/final_report/report_DS.pptx
+++ b/final_report/report_DS.pptx
@@ -271,7 +271,7 @@
           <a:p>
             <a:fld id="{C0CE4DDA-D6BC-43F3-8956-899C666A7FB4}" type="datetimeFigureOut">
               <a:rPr lang="en-US" smtClean="0"/>
-              <a:t>12/8/2025</a:t>
+              <a:t>12/12/2025</a:t>
             </a:fld>
             <a:endParaRPr lang="en-US"/>
           </a:p>
@@ -469,7 +469,7 @@
           <a:p>
             <a:fld id="{C0CE4DDA-D6BC-43F3-8956-899C666A7FB4}" type="datetimeFigureOut">
               <a:rPr lang="en-US" smtClean="0"/>
-              <a:t>12/8/2025</a:t>
+              <a:t>12/12/2025</a:t>
             </a:fld>
             <a:endParaRPr lang="en-US"/>
           </a:p>
@@ -677,7 +677,7 @@
           <a:p>
             <a:fld id="{C0CE4DDA-D6BC-43F3-8956-899C666A7FB4}" type="datetimeFigureOut">
               <a:rPr lang="en-US" smtClean="0"/>
-              <a:t>12/8/2025</a:t>
+              <a:t>12/12/2025</a:t>
             </a:fld>
             <a:endParaRPr lang="en-US"/>
           </a:p>
@@ -875,7 +875,7 @@
           <a:p>
             <a:fld id="{C0CE4DDA-D6BC-43F3-8956-899C666A7FB4}" type="datetimeFigureOut">
               <a:rPr lang="en-US" smtClean="0"/>
-              <a:t>12/8/2025</a:t>
+              <a:t>12/12/2025</a:t>
             </a:fld>
             <a:endParaRPr lang="en-US"/>
           </a:p>
@@ -1150,7 +1150,7 @@
           <a:p>
             <a:fld id="{C0CE4DDA-D6BC-43F3-8956-899C666A7FB4}" type="datetimeFigureOut">
               <a:rPr lang="en-US" smtClean="0"/>
-              <a:t>12/8/2025</a:t>
+              <a:t>12/12/2025</a:t>
             </a:fld>
             <a:endParaRPr lang="en-US"/>
           </a:p>
@@ -1415,7 +1415,7 @@
           <a:p>
             <a:fld id="{C0CE4DDA-D6BC-43F3-8956-899C666A7FB4}" type="datetimeFigureOut">
               <a:rPr lang="en-US" smtClean="0"/>
-              <a:t>12/8/2025</a:t>
+              <a:t>12/12/2025</a:t>
             </a:fld>
             <a:endParaRPr lang="en-US"/>
           </a:p>
@@ -1827,7 +1827,7 @@
           <a:p>
             <a:fld id="{C0CE4DDA-D6BC-43F3-8956-899C666A7FB4}" type="datetimeFigureOut">
               <a:rPr lang="en-US" smtClean="0"/>
-              <a:t>12/8/2025</a:t>
+              <a:t>12/12/2025</a:t>
             </a:fld>
             <a:endParaRPr lang="en-US"/>
           </a:p>
@@ -1968,7 +1968,7 @@
           <a:p>
             <a:fld id="{C0CE4DDA-D6BC-43F3-8956-899C666A7FB4}" type="datetimeFigureOut">
               <a:rPr lang="en-US" smtClean="0"/>
-              <a:t>12/8/2025</a:t>
+              <a:t>12/12/2025</a:t>
             </a:fld>
             <a:endParaRPr lang="en-US"/>
           </a:p>
@@ -2081,7 +2081,7 @@
           <a:p>
             <a:fld id="{C0CE4DDA-D6BC-43F3-8956-899C666A7FB4}" type="datetimeFigureOut">
               <a:rPr lang="en-US" smtClean="0"/>
-              <a:t>12/8/2025</a:t>
+              <a:t>12/12/2025</a:t>
             </a:fld>
             <a:endParaRPr lang="en-US"/>
           </a:p>
@@ -2392,7 +2392,7 @@
           <a:p>
             <a:fld id="{C0CE4DDA-D6BC-43F3-8956-899C666A7FB4}" type="datetimeFigureOut">
               <a:rPr lang="en-US" smtClean="0"/>
-              <a:t>12/8/2025</a:t>
+              <a:t>12/12/2025</a:t>
             </a:fld>
             <a:endParaRPr lang="en-US"/>
           </a:p>
@@ -2680,7 +2680,7 @@
           <a:p>
             <a:fld id="{C0CE4DDA-D6BC-43F3-8956-899C666A7FB4}" type="datetimeFigureOut">
               <a:rPr lang="en-US" smtClean="0"/>
-              <a:t>12/8/2025</a:t>
+              <a:t>12/12/2025</a:t>
             </a:fld>
             <a:endParaRPr lang="en-US"/>
           </a:p>
@@ -2921,7 +2921,7 @@
           <a:p>
             <a:fld id="{C0CE4DDA-D6BC-43F3-8956-899C666A7FB4}" type="datetimeFigureOut">
               <a:rPr lang="en-US" smtClean="0"/>
-              <a:t>12/8/2025</a:t>
+              <a:t>12/12/2025</a:t>
             </a:fld>
             <a:endParaRPr lang="en-US"/>
           </a:p>
@@ -3378,7 +3378,7 @@
                   <a:srgbClr val="0070C0"/>
                 </a:solidFill>
               </a:rPr>
-              <a:t>Employee Churn Analysis</a:t>
+              <a:t>Employee Churn Prediction</a:t>
             </a:r>
             <a:endParaRPr lang="en-US" dirty="0"/>
           </a:p>
@@ -3611,7 +3611,7 @@
                   <a:srgbClr val="0070C0"/>
                 </a:solidFill>
               </a:rPr>
-              <a:t>Employee Churn Analysis</a:t>
+              <a:t>Employee Churn Prediction</a:t>
             </a:r>
             <a:endParaRPr lang="en-US" dirty="0"/>
           </a:p>
@@ -3890,7 +3890,7 @@
                   <a:srgbClr val="0070C0"/>
                 </a:solidFill>
               </a:rPr>
-              <a:t>Employee Churn Analysis</a:t>
+              <a:t>Employee Churn Prediction</a:t>
             </a:r>
             <a:endParaRPr lang="en-US" dirty="0"/>
           </a:p>
@@ -4128,7 +4128,7 @@
                   <a:srgbClr val="0070C0"/>
                 </a:solidFill>
               </a:rPr>
-              <a:t>Employee Churn Analysis</a:t>
+              <a:t>Employee Churn Prediction</a:t>
             </a:r>
             <a:endParaRPr lang="en-US" dirty="0"/>
           </a:p>
@@ -4511,12 +4511,12 @@
           <a:lstStyle/>
           <a:p>
             <a:r>
-              <a:rPr lang="en-US" b="1" dirty="0">
+              <a:rPr lang="en-US" b="1">
                 <a:solidFill>
                   <a:srgbClr val="0070C0"/>
                 </a:solidFill>
               </a:rPr>
-              <a:t>Employee Churn Analysis</a:t>
+              <a:t>Employee Churn Prediction</a:t>
             </a:r>
             <a:endParaRPr lang="en-US" dirty="0"/>
           </a:p>
@@ -4706,7 +4706,7 @@
                   <a:srgbClr val="0070C0"/>
                 </a:solidFill>
               </a:rPr>
-              <a:t>Employee Churn Analysis</a:t>
+              <a:t>Employee Churn Prediction</a:t>
             </a:r>
             <a:endParaRPr lang="en-US" dirty="0"/>
           </a:p>
@@ -4982,7 +4982,7 @@
                   <a:srgbClr val="0070C0"/>
                 </a:solidFill>
               </a:rPr>
-              <a:t>Employee Churn Analysis</a:t>
+              <a:t>Employee Churn Prediction</a:t>
             </a:r>
             <a:endParaRPr lang="en-US" dirty="0"/>
           </a:p>
@@ -5212,7 +5212,7 @@
                   <a:srgbClr val="0070C0"/>
                 </a:solidFill>
               </a:rPr>
-              <a:t>Employee Churn Analysis</a:t>
+              <a:t>Employee Churn Prediction</a:t>
             </a:r>
             <a:endParaRPr lang="en-US" dirty="0"/>
           </a:p>
@@ -5464,7 +5464,7 @@
                   <a:srgbClr val="0070C0"/>
                 </a:solidFill>
               </a:rPr>
-              <a:t>Employee Churn Analysis</a:t>
+              <a:t>Employee Churn Prediction</a:t>
             </a:r>
             <a:endParaRPr lang="en-US" dirty="0"/>
           </a:p>
@@ -5693,7 +5693,7 @@
                   <a:srgbClr val="0070C0"/>
                 </a:solidFill>
               </a:rPr>
-              <a:t>Employee Churn Analysis</a:t>
+              <a:t>Employee Churn Prediction</a:t>
             </a:r>
             <a:endParaRPr lang="en-US" dirty="0"/>
           </a:p>
@@ -5971,7 +5971,7 @@
                   <a:srgbClr val="0070C0"/>
                 </a:solidFill>
               </a:rPr>
-              <a:t>Employee Churn Analysis</a:t>
+              <a:t>Employee Churn Prediction</a:t>
             </a:r>
             <a:endParaRPr lang="en-US" dirty="0"/>
           </a:p>
@@ -6291,7 +6291,7 @@
                   <a:srgbClr val="0070C0"/>
                 </a:solidFill>
               </a:rPr>
-              <a:t>Employee Churn Analysis</a:t>
+              <a:t>Employee Churn Prediction</a:t>
             </a:r>
             <a:endParaRPr lang="en-US" dirty="0"/>
           </a:p>
@@ -6580,7 +6580,7 @@
                   <a:srgbClr val="0070C0"/>
                 </a:solidFill>
               </a:rPr>
-              <a:t>Employee Churn Analysis</a:t>
+              <a:t>Employee Churn Prediction</a:t>
             </a:r>
             <a:endParaRPr lang="en-US" dirty="0"/>
           </a:p>
